--- a/exercises/exercise 5/DSE-241 - Exercise 5 - AH.pptx
+++ b/exercises/exercise 5/DSE-241 - Exercise 5 - AH.pptx
@@ -6305,14 +6305,14 @@
           <p:nvPr>
             <p:extLst>
               <p:ext uri="{D42A27DB-BD31-4B8C-83A1-F6EECF244321}">
-                <p14:modId xmlns:p14="http://schemas.microsoft.com/office/powerpoint/2010/main" val="4106627350"/>
+                <p14:modId xmlns:p14="http://schemas.microsoft.com/office/powerpoint/2010/main" val="2817437686"/>
               </p:ext>
             </p:extLst>
           </p:nvPr>
         </p:nvGraphicFramePr>
         <p:xfrm>
           <a:off x="1172666" y="1212052"/>
-          <a:ext cx="3933806" cy="2843827"/>
+          <a:ext cx="3933806" cy="3209587"/>
         </p:xfrm>
         <a:graphic>
           <a:graphicData uri="http://schemas.openxmlformats.org/drawingml/2006/table">
@@ -6551,7 +6551,7 @@
                           <a:cs typeface="Space Grotesk"/>
                           <a:sym typeface="Arial"/>
                         </a:rPr>
-                        <a:t>Part-whole relationship</a:t>
+                        <a:t>Proportion over time</a:t>
                       </a:r>
                     </a:p>
                   </a:txBody>
@@ -6764,7 +6764,7 @@
                           <a:cs typeface="Space Grotesk"/>
                           <a:sym typeface="Arial"/>
                         </a:rPr>
-                        <a:t>The vastness of the enslaved/black area highlights the scale of atrocity along with the stark contrast of 1870</a:t>
+                        <a:t>Area chart perfect for proportion, especially in binary class. The vastness of the enslaved/black area highlights the scale of atrocity along with the stark contrast of 1870.</a:t>
                       </a:r>
                     </a:p>
                   </a:txBody>
@@ -6973,7 +6973,7 @@
           <p:nvPr>
             <p:extLst>
               <p:ext uri="{D42A27DB-BD31-4B8C-83A1-F6EECF244321}">
-                <p14:modId xmlns:p14="http://schemas.microsoft.com/office/powerpoint/2010/main" val="3994800780"/>
+                <p14:modId xmlns:p14="http://schemas.microsoft.com/office/powerpoint/2010/main" val="8600069"/>
               </p:ext>
             </p:extLst>
           </p:nvPr>
@@ -7223,7 +7223,7 @@
                           <a:cs typeface="Space Grotesk"/>
                           <a:sym typeface="Arial"/>
                         </a:rPr>
-                        <a:t>Show change over time </a:t>
+                        <a:t>Value trend over time </a:t>
                       </a:r>
                     </a:p>
                   </a:txBody>
@@ -7407,7 +7407,7 @@
                           <a:cs typeface="Space Grotesk"/>
                           <a:sym typeface="Arial"/>
                         </a:rPr>
-                        <a:t>Color channels clearly separate time-periods, but it is difficult to compare area, especially in nested circular form</a:t>
+                        <a:t>Color channels clearly separate time-periods, but it is difficult to compare area, especially in this nested circular form.</a:t>
                       </a:r>
                     </a:p>
                   </a:txBody>
@@ -9009,14 +9009,14 @@
           <p:nvPr>
             <p:extLst>
               <p:ext uri="{D42A27DB-BD31-4B8C-83A1-F6EECF244321}">
-                <p14:modId xmlns:p14="http://schemas.microsoft.com/office/powerpoint/2010/main" val="2378810683"/>
+                <p14:modId xmlns:p14="http://schemas.microsoft.com/office/powerpoint/2010/main" val="1933029541"/>
               </p:ext>
             </p:extLst>
           </p:nvPr>
         </p:nvGraphicFramePr>
         <p:xfrm>
           <a:off x="1172666" y="1212052"/>
-          <a:ext cx="3851548" cy="3392467"/>
+          <a:ext cx="3851548" cy="3575347"/>
         </p:xfrm>
         <a:graphic>
           <a:graphicData uri="http://schemas.openxmlformats.org/drawingml/2006/table">
@@ -9259,7 +9259,7 @@
                           <a:cs typeface="Space Grotesk"/>
                           <a:sym typeface="Arial"/>
                         </a:rPr>
-                        <a:t>Show change over time </a:t>
+                        <a:t>Value trend over time </a:t>
                       </a:r>
                     </a:p>
                   </a:txBody>
@@ -9501,7 +9501,7 @@
                           <a:cs typeface="Space Grotesk"/>
                           <a:sym typeface="Arial"/>
                         </a:rPr>
-                        <a:t>The sharp ascent highlights the quick progress made in the 40-year post emancipation period. The annotations highlight the tragic setbacks.</a:t>
+                        <a:t>The sharp ascent of a line highlights the quick progress made in the 40-year post emancipation period. The annotations highlight the tragic setbacks.</a:t>
                       </a:r>
                     </a:p>
                   </a:txBody>
@@ -11070,7 +11070,7 @@
           <p:nvPr>
             <p:extLst>
               <p:ext uri="{D42A27DB-BD31-4B8C-83A1-F6EECF244321}">
-                <p14:modId xmlns:p14="http://schemas.microsoft.com/office/powerpoint/2010/main" val="3665956145"/>
+                <p14:modId xmlns:p14="http://schemas.microsoft.com/office/powerpoint/2010/main" val="3208290014"/>
               </p:ext>
             </p:extLst>
           </p:nvPr>
@@ -11536,7 +11536,7 @@
                           <a:cs typeface="Space Grotesk"/>
                           <a:sym typeface="Arial"/>
                         </a:rPr>
-                        <a:t>Color channels clearly indicate marriage status and vertical axis does a nice job of showing change across ages. It can be somewhat difficult to compare diverging lengths (gender) but aided by percent labels on horizontal axis</a:t>
+                        <a:t>Color channels clearly indicate marriage status and vertical axis does a nice job of showing change across ages. It can be somewhat difficult to compare diverging lengths (gender) but aided by percent labels on horizontal axis.</a:t>
                       </a:r>
                     </a:p>
                   </a:txBody>
@@ -12505,7 +12505,7 @@
         </p:nvSpPr>
         <p:spPr>
           <a:xfrm rot="1337089">
-            <a:off x="8820461" y="4893072"/>
+            <a:off x="9108714" y="4805747"/>
             <a:ext cx="102589" cy="237882"/>
           </a:xfrm>
           <a:prstGeom prst="rect">
